--- a/GUI 기록.pptx
+++ b/GUI 기록.pptx
@@ -112,6 +112,11 @@
       </a:defRPr>
     </a:lvl9pPr>
   </p:defaultTextStyle>
+  <p:extLst>
+    <p:ext uri="{EFAFB233-063F-42B5-8137-9DF3F51BA10A}">
+      <p15:sldGuideLst xmlns:p15="http://schemas.microsoft.com/office/powerpoint/2012/main"/>
+    </p:ext>
+  </p:extLst>
 </p:presentation>
 </file>
 
@@ -3359,6 +3364,42 @@
           </a:prstGeom>
         </p:spPr>
       </p:pic>
+      <p:sp>
+        <p:nvSpPr>
+          <p:cNvPr id="2" name="TextBox 1">
+            <a:extLst>
+              <a:ext uri="{FF2B5EF4-FFF2-40B4-BE49-F238E27FC236}">
+                <a16:creationId xmlns:a16="http://schemas.microsoft.com/office/drawing/2014/main" id="{29B145CA-4911-0337-D4F2-CEE45B07EA22}"/>
+              </a:ext>
+            </a:extLst>
+          </p:cNvPr>
+          <p:cNvSpPr txBox="1"/>
+          <p:nvPr/>
+        </p:nvSpPr>
+        <p:spPr>
+          <a:xfrm>
+            <a:off x="695325" y="466725"/>
+            <a:ext cx="1107996" cy="369332"/>
+          </a:xfrm>
+          <a:prstGeom prst="rect">
+            <a:avLst/>
+          </a:prstGeom>
+          <a:noFill/>
+        </p:spPr>
+        <p:txBody>
+          <a:bodyPr wrap="none" rtlCol="0">
+            <a:spAutoFit/>
+          </a:bodyPr>
+          <a:lstStyle/>
+          <a:p>
+            <a:r>
+              <a:rPr lang="ko-KR" altLang="en-US" dirty="0" err="1"/>
+              <a:t>메인화면</a:t>
+            </a:r>
+            <a:endParaRPr lang="ko-KR" altLang="en-US" dirty="0"/>
+          </a:p>
+        </p:txBody>
+      </p:sp>
     </p:spTree>
     <p:extLst>
       <p:ext uri="{BB962C8B-B14F-4D97-AF65-F5344CB8AC3E}">
@@ -3419,6 +3460,41 @@
           </a:prstGeom>
         </p:spPr>
       </p:pic>
+      <p:sp>
+        <p:nvSpPr>
+          <p:cNvPr id="2" name="TextBox 1">
+            <a:extLst>
+              <a:ext uri="{FF2B5EF4-FFF2-40B4-BE49-F238E27FC236}">
+                <a16:creationId xmlns:a16="http://schemas.microsoft.com/office/drawing/2014/main" id="{B5113B0F-CE94-A744-60DA-597CF598469C}"/>
+              </a:ext>
+            </a:extLst>
+          </p:cNvPr>
+          <p:cNvSpPr txBox="1"/>
+          <p:nvPr/>
+        </p:nvSpPr>
+        <p:spPr>
+          <a:xfrm>
+            <a:off x="438150" y="298949"/>
+            <a:ext cx="1420582" cy="369332"/>
+          </a:xfrm>
+          <a:prstGeom prst="rect">
+            <a:avLst/>
+          </a:prstGeom>
+          <a:noFill/>
+        </p:spPr>
+        <p:txBody>
+          <a:bodyPr wrap="none" rtlCol="0">
+            <a:spAutoFit/>
+          </a:bodyPr>
+          <a:lstStyle/>
+          <a:p>
+            <a:r>
+              <a:rPr lang="ko-KR" altLang="en-US" dirty="0"/>
+              <a:t>레시피 목록</a:t>
+            </a:r>
+          </a:p>
+        </p:txBody>
+      </p:sp>
     </p:spTree>
     <p:extLst>
       <p:ext uri="{BB962C8B-B14F-4D97-AF65-F5344CB8AC3E}">
@@ -3479,6 +3555,41 @@
           </a:prstGeom>
         </p:spPr>
       </p:pic>
+      <p:sp>
+        <p:nvSpPr>
+          <p:cNvPr id="2" name="TextBox 1">
+            <a:extLst>
+              <a:ext uri="{FF2B5EF4-FFF2-40B4-BE49-F238E27FC236}">
+                <a16:creationId xmlns:a16="http://schemas.microsoft.com/office/drawing/2014/main" id="{22363F38-E949-1FF7-9DDF-9E0D0E80AF9E}"/>
+              </a:ext>
+            </a:extLst>
+          </p:cNvPr>
+          <p:cNvSpPr txBox="1"/>
+          <p:nvPr/>
+        </p:nvSpPr>
+        <p:spPr>
+          <a:xfrm>
+            <a:off x="438150" y="298949"/>
+            <a:ext cx="1420582" cy="369332"/>
+          </a:xfrm>
+          <a:prstGeom prst="rect">
+            <a:avLst/>
+          </a:prstGeom>
+          <a:noFill/>
+        </p:spPr>
+        <p:txBody>
+          <a:bodyPr wrap="none" rtlCol="0">
+            <a:spAutoFit/>
+          </a:bodyPr>
+          <a:lstStyle/>
+          <a:p>
+            <a:r>
+              <a:rPr lang="ko-KR" altLang="en-US" dirty="0"/>
+              <a:t>레시피 추가</a:t>
+            </a:r>
+          </a:p>
+        </p:txBody>
+      </p:sp>
     </p:spTree>
     <p:extLst>
       <p:ext uri="{BB962C8B-B14F-4D97-AF65-F5344CB8AC3E}">
@@ -3531,7 +3642,7 @@
         </p:blipFill>
         <p:spPr>
           <a:xfrm>
-            <a:off x="2281859" y="483615"/>
+            <a:off x="2662859" y="740790"/>
             <a:ext cx="7628281" cy="5890770"/>
           </a:xfrm>
           <a:prstGeom prst="rect">
@@ -3539,6 +3650,54 @@
           </a:prstGeom>
         </p:spPr>
       </p:pic>
+      <p:sp>
+        <p:nvSpPr>
+          <p:cNvPr id="2" name="TextBox 1">
+            <a:extLst>
+              <a:ext uri="{FF2B5EF4-FFF2-40B4-BE49-F238E27FC236}">
+                <a16:creationId xmlns:a16="http://schemas.microsoft.com/office/drawing/2014/main" id="{44769712-F617-A9C5-54EC-6674A3DE01E7}"/>
+              </a:ext>
+            </a:extLst>
+          </p:cNvPr>
+          <p:cNvSpPr txBox="1"/>
+          <p:nvPr/>
+        </p:nvSpPr>
+        <p:spPr>
+          <a:xfrm>
+            <a:off x="171450" y="298949"/>
+            <a:ext cx="2566728" cy="369332"/>
+          </a:xfrm>
+          <a:prstGeom prst="rect">
+            <a:avLst/>
+          </a:prstGeom>
+          <a:noFill/>
+        </p:spPr>
+        <p:txBody>
+          <a:bodyPr wrap="none" rtlCol="0">
+            <a:spAutoFit/>
+          </a:bodyPr>
+          <a:lstStyle/>
+          <a:p>
+            <a:r>
+              <a:rPr lang="ko-KR" altLang="en-US" dirty="0"/>
+              <a:t>레시피 목록</a:t>
+            </a:r>
+            <a:r>
+              <a:rPr lang="en-US" altLang="ko-KR" dirty="0"/>
+              <a:t>(</a:t>
+            </a:r>
+            <a:r>
+              <a:rPr lang="ko-KR" altLang="en-US" dirty="0"/>
+              <a:t>추가 완료</a:t>
+            </a:r>
+            <a:r>
+              <a:rPr lang="en-US" altLang="ko-KR" dirty="0"/>
+              <a:t>)</a:t>
+            </a:r>
+            <a:endParaRPr lang="ko-KR" altLang="en-US" dirty="0"/>
+          </a:p>
+        </p:txBody>
+      </p:sp>
     </p:spTree>
     <p:extLst>
       <p:ext uri="{BB962C8B-B14F-4D97-AF65-F5344CB8AC3E}">
@@ -3599,6 +3758,41 @@
           </a:prstGeom>
         </p:spPr>
       </p:pic>
+      <p:sp>
+        <p:nvSpPr>
+          <p:cNvPr id="2" name="TextBox 1">
+            <a:extLst>
+              <a:ext uri="{FF2B5EF4-FFF2-40B4-BE49-F238E27FC236}">
+                <a16:creationId xmlns:a16="http://schemas.microsoft.com/office/drawing/2014/main" id="{0861D901-7190-A4BF-248E-C5550FABE41F}"/>
+              </a:ext>
+            </a:extLst>
+          </p:cNvPr>
+          <p:cNvSpPr txBox="1"/>
+          <p:nvPr/>
+        </p:nvSpPr>
+        <p:spPr>
+          <a:xfrm>
+            <a:off x="438150" y="298949"/>
+            <a:ext cx="1420582" cy="369332"/>
+          </a:xfrm>
+          <a:prstGeom prst="rect">
+            <a:avLst/>
+          </a:prstGeom>
+          <a:noFill/>
+        </p:spPr>
+        <p:txBody>
+          <a:bodyPr wrap="none" rtlCol="0">
+            <a:spAutoFit/>
+          </a:bodyPr>
+          <a:lstStyle/>
+          <a:p>
+            <a:r>
+              <a:rPr lang="ko-KR" altLang="en-US" dirty="0"/>
+              <a:t>레시피 확인</a:t>
+            </a:r>
+          </a:p>
+        </p:txBody>
+      </p:sp>
     </p:spTree>
     <p:extLst>
       <p:ext uri="{BB962C8B-B14F-4D97-AF65-F5344CB8AC3E}">
@@ -3659,6 +3853,41 @@
           </a:prstGeom>
         </p:spPr>
       </p:pic>
+      <p:sp>
+        <p:nvSpPr>
+          <p:cNvPr id="2" name="TextBox 1">
+            <a:extLst>
+              <a:ext uri="{FF2B5EF4-FFF2-40B4-BE49-F238E27FC236}">
+                <a16:creationId xmlns:a16="http://schemas.microsoft.com/office/drawing/2014/main" id="{38E958D7-B070-F577-AF31-8D95C7DC4C1B}"/>
+              </a:ext>
+            </a:extLst>
+          </p:cNvPr>
+          <p:cNvSpPr txBox="1"/>
+          <p:nvPr/>
+        </p:nvSpPr>
+        <p:spPr>
+          <a:xfrm>
+            <a:off x="438150" y="298949"/>
+            <a:ext cx="1420582" cy="369332"/>
+          </a:xfrm>
+          <a:prstGeom prst="rect">
+            <a:avLst/>
+          </a:prstGeom>
+          <a:noFill/>
+        </p:spPr>
+        <p:txBody>
+          <a:bodyPr wrap="none" rtlCol="0">
+            <a:spAutoFit/>
+          </a:bodyPr>
+          <a:lstStyle/>
+          <a:p>
+            <a:r>
+              <a:rPr lang="ko-KR" altLang="en-US" dirty="0"/>
+              <a:t>레시피 수정</a:t>
+            </a:r>
+          </a:p>
+        </p:txBody>
+      </p:sp>
     </p:spTree>
     <p:extLst>
       <p:ext uri="{BB962C8B-B14F-4D97-AF65-F5344CB8AC3E}">
@@ -3719,6 +3948,54 @@
           </a:prstGeom>
         </p:spPr>
       </p:pic>
+      <p:sp>
+        <p:nvSpPr>
+          <p:cNvPr id="2" name="TextBox 1">
+            <a:extLst>
+              <a:ext uri="{FF2B5EF4-FFF2-40B4-BE49-F238E27FC236}">
+                <a16:creationId xmlns:a16="http://schemas.microsoft.com/office/drawing/2014/main" id="{262ECAAF-15B7-B72A-A4A4-2A0C8937ACE3}"/>
+              </a:ext>
+            </a:extLst>
+          </p:cNvPr>
+          <p:cNvSpPr txBox="1"/>
+          <p:nvPr/>
+        </p:nvSpPr>
+        <p:spPr>
+          <a:xfrm>
+            <a:off x="438150" y="298949"/>
+            <a:ext cx="2566728" cy="369332"/>
+          </a:xfrm>
+          <a:prstGeom prst="rect">
+            <a:avLst/>
+          </a:prstGeom>
+          <a:noFill/>
+        </p:spPr>
+        <p:txBody>
+          <a:bodyPr wrap="none" rtlCol="0">
+            <a:spAutoFit/>
+          </a:bodyPr>
+          <a:lstStyle/>
+          <a:p>
+            <a:r>
+              <a:rPr lang="ko-KR" altLang="en-US" dirty="0"/>
+              <a:t>레시피 확인</a:t>
+            </a:r>
+            <a:r>
+              <a:rPr lang="en-US" altLang="ko-KR" dirty="0"/>
+              <a:t>(</a:t>
+            </a:r>
+            <a:r>
+              <a:rPr lang="ko-KR" altLang="en-US" dirty="0"/>
+              <a:t>수정 완료</a:t>
+            </a:r>
+            <a:r>
+              <a:rPr lang="en-US" altLang="ko-KR" dirty="0"/>
+              <a:t>)</a:t>
+            </a:r>
+            <a:endParaRPr lang="ko-KR" altLang="en-US" dirty="0"/>
+          </a:p>
+        </p:txBody>
+      </p:sp>
     </p:spTree>
     <p:extLst>
       <p:ext uri="{BB962C8B-B14F-4D97-AF65-F5344CB8AC3E}">
@@ -3771,7 +4048,7 @@
         </p:blipFill>
         <p:spPr>
           <a:xfrm>
-            <a:off x="2281859" y="483615"/>
+            <a:off x="3339134" y="483615"/>
             <a:ext cx="7628281" cy="5890770"/>
           </a:xfrm>
           <a:prstGeom prst="rect">
@@ -3779,6 +4056,54 @@
           </a:prstGeom>
         </p:spPr>
       </p:pic>
+      <p:sp>
+        <p:nvSpPr>
+          <p:cNvPr id="2" name="TextBox 1">
+            <a:extLst>
+              <a:ext uri="{FF2B5EF4-FFF2-40B4-BE49-F238E27FC236}">
+                <a16:creationId xmlns:a16="http://schemas.microsoft.com/office/drawing/2014/main" id="{782A437F-2320-245D-350B-D3EF606503D9}"/>
+              </a:ext>
+            </a:extLst>
+          </p:cNvPr>
+          <p:cNvSpPr txBox="1"/>
+          <p:nvPr/>
+        </p:nvSpPr>
+        <p:spPr>
+          <a:xfrm>
+            <a:off x="438150" y="298949"/>
+            <a:ext cx="2566728" cy="369332"/>
+          </a:xfrm>
+          <a:prstGeom prst="rect">
+            <a:avLst/>
+          </a:prstGeom>
+          <a:noFill/>
+        </p:spPr>
+        <p:txBody>
+          <a:bodyPr wrap="none" rtlCol="0">
+            <a:spAutoFit/>
+          </a:bodyPr>
+          <a:lstStyle/>
+          <a:p>
+            <a:r>
+              <a:rPr lang="ko-KR" altLang="en-US" dirty="0"/>
+              <a:t>레시피 목록</a:t>
+            </a:r>
+            <a:r>
+              <a:rPr lang="en-US" altLang="ko-KR" dirty="0"/>
+              <a:t>(</a:t>
+            </a:r>
+            <a:r>
+              <a:rPr lang="ko-KR" altLang="en-US" dirty="0"/>
+              <a:t>삭제 완료</a:t>
+            </a:r>
+            <a:r>
+              <a:rPr lang="en-US" altLang="ko-KR" dirty="0"/>
+              <a:t>)</a:t>
+            </a:r>
+            <a:endParaRPr lang="ko-KR" altLang="en-US" dirty="0"/>
+          </a:p>
+        </p:txBody>
+      </p:sp>
     </p:spTree>
     <p:extLst>
       <p:ext uri="{BB962C8B-B14F-4D97-AF65-F5344CB8AC3E}">
